--- a/231011/11_4_1 리뷰 및 개선 2.pptx
+++ b/231011/11_4_1 리뷰 및 개선 2.pptx
@@ -12,6 +12,7 @@
     <p:sldId id="258" r:id="rId6"/>
     <p:sldId id="260" r:id="rId7"/>
     <p:sldId id="261" r:id="rId8"/>
+    <p:sldId id="263" r:id="rId9"/>
   </p:sldIdLst>
   <p:sldSz cx="12192000" cy="6858000"/>
   <p:notesSz cx="6858000" cy="9144000"/>
@@ -3359,10 +3360,6 @@
           <a:lstStyle/>
           <a:p>
             <a:r>
-              <a:rPr lang="en-US" altLang="ko-KR" dirty="0"/>
-              <a:t>11_4_1 </a:t>
-            </a:r>
-            <a:r>
               <a:rPr lang="ko-KR" altLang="en-US" dirty="0"/>
               <a:t>리뷰 및 개선</a:t>
             </a:r>
@@ -4048,13 +4045,15 @@
               </a:ext>
             </a:extLst>
           </p:cNvPr>
-          <p:cNvCxnSpPr/>
+          <p:cNvCxnSpPr>
+            <a:cxnSpLocks/>
+          </p:cNvCxnSpPr>
           <p:nvPr/>
         </p:nvCxnSpPr>
         <p:spPr>
           <a:xfrm>
-            <a:off x="3305175" y="2837316"/>
-            <a:ext cx="0" cy="839334"/>
+            <a:off x="3286513" y="2719197"/>
+            <a:ext cx="0" cy="276911"/>
           </a:xfrm>
           <a:prstGeom prst="straightConnector1">
             <a:avLst/>
@@ -4117,6 +4116,36 @@
           </a:fontRef>
         </p:style>
       </p:cxnSp>
+      <p:pic>
+        <p:nvPicPr>
+          <p:cNvPr id="6" name="그림 5">
+            <a:extLst>
+              <a:ext uri="{FF2B5EF4-FFF2-40B4-BE49-F238E27FC236}">
+                <a16:creationId xmlns:a16="http://schemas.microsoft.com/office/drawing/2014/main" id="{118ECACD-F2F2-2D7F-FDB7-8623A946D18A}"/>
+              </a:ext>
+            </a:extLst>
+          </p:cNvPr>
+          <p:cNvPicPr>
+            <a:picLocks noChangeAspect="1"/>
+          </p:cNvPicPr>
+          <p:nvPr/>
+        </p:nvPicPr>
+        <p:blipFill>
+          <a:blip r:embed="rId5"/>
+          <a:stretch>
+            <a:fillRect/>
+          </a:stretch>
+        </p:blipFill>
+        <p:spPr>
+          <a:xfrm>
+            <a:off x="737020" y="3138864"/>
+            <a:ext cx="3449394" cy="580272"/>
+          </a:xfrm>
+          <a:prstGeom prst="rect">
+            <a:avLst/>
+          </a:prstGeom>
+        </p:spPr>
+      </p:pic>
     </p:spTree>
     <p:extLst>
       <p:ext uri="{BB962C8B-B14F-4D97-AF65-F5344CB8AC3E}">
@@ -4210,6 +4239,75 @@
     <p:extLst>
       <p:ext uri="{BB962C8B-B14F-4D97-AF65-F5344CB8AC3E}">
         <p14:creationId xmlns:p14="http://schemas.microsoft.com/office/powerpoint/2010/main" val="3578506374"/>
+      </p:ext>
+    </p:extLst>
+  </p:cSld>
+  <p:clrMapOvr>
+    <a:masterClrMapping/>
+  </p:clrMapOvr>
+</p:sld>
+</file>
+
+<file path=ppt/slides/slide8.xml><?xml version="1.0" encoding="utf-8"?>
+<p:sld xmlns:a="http://schemas.openxmlformats.org/drawingml/2006/main" xmlns:r="http://schemas.openxmlformats.org/officeDocument/2006/relationships" xmlns:p="http://schemas.openxmlformats.org/presentationml/2006/main">
+  <p:cSld>
+    <p:spTree>
+      <p:nvGrpSpPr>
+        <p:cNvPr id="1" name=""/>
+        <p:cNvGrpSpPr/>
+        <p:nvPr/>
+      </p:nvGrpSpPr>
+      <p:grpSpPr>
+        <a:xfrm>
+          <a:off x="0" y="0"/>
+          <a:ext cx="0" cy="0"/>
+          <a:chOff x="0" y="0"/>
+          <a:chExt cx="0" cy="0"/>
+        </a:xfrm>
+      </p:grpSpPr>
+      <p:sp>
+        <p:nvSpPr>
+          <p:cNvPr id="2" name="제목 1">
+            <a:extLst>
+              <a:ext uri="{FF2B5EF4-FFF2-40B4-BE49-F238E27FC236}">
+                <a16:creationId xmlns:a16="http://schemas.microsoft.com/office/drawing/2014/main" id="{1CE413AB-78F2-7436-D7B7-DC18AB8C6D69}"/>
+              </a:ext>
+            </a:extLst>
+          </p:cNvPr>
+          <p:cNvSpPr>
+            <a:spLocks noGrp="1"/>
+          </p:cNvSpPr>
+          <p:nvPr>
+            <p:ph type="title"/>
+          </p:nvPr>
+        </p:nvSpPr>
+        <p:spPr>
+          <a:xfrm>
+            <a:off x="838200" y="2766218"/>
+            <a:ext cx="10515600" cy="1325563"/>
+          </a:xfrm>
+        </p:spPr>
+        <p:txBody>
+          <a:bodyPr/>
+          <a:lstStyle/>
+          <a:p>
+            <a:pPr algn="ctr"/>
+            <a:r>
+              <a:rPr lang="ko-KR" altLang="en-US" dirty="0"/>
+              <a:t>최종 점수</a:t>
+            </a:r>
+            <a:r>
+              <a:rPr lang="en-US" altLang="ko-KR" dirty="0"/>
+              <a:t>:</a:t>
+            </a:r>
+            <a:endParaRPr lang="ko-KR" altLang="en-US" dirty="0"/>
+          </a:p>
+        </p:txBody>
+      </p:sp>
+    </p:spTree>
+    <p:extLst>
+      <p:ext uri="{BB962C8B-B14F-4D97-AF65-F5344CB8AC3E}">
+        <p14:creationId xmlns:p14="http://schemas.microsoft.com/office/powerpoint/2010/main" val="3010934239"/>
       </p:ext>
     </p:extLst>
   </p:cSld>
